--- a/ASR/ASR Diagrams.pptx
+++ b/ASR/ASR Diagrams.pptx
@@ -105,6 +105,11 @@
       </a:defRPr>
     </a:lvl9pPr>
   </p:defaultTextStyle>
+  <p:extLst>
+    <p:ext uri="{EFAFB233-063F-42B5-8137-9DF3F51BA10A}">
+      <p15:sldGuideLst xmlns:p15="http://schemas.microsoft.com/office/powerpoint/2012/main"/>
+    </p:ext>
+  </p:extLst>
 </p:presentation>
 </file>
 
@@ -257,7 +262,7 @@
           <a:p>
             <a:fld id="{7D615843-7E37-6E46-B4BE-91B432F7BF7B}" type="datetimeFigureOut">
               <a:rPr lang="en-US" smtClean="0"/>
-              <a:t>4/10/22</a:t>
+              <a:t>4/18/22</a:t>
             </a:fld>
             <a:endParaRPr lang="en-US"/>
           </a:p>
@@ -457,7 +462,7 @@
           <a:p>
             <a:fld id="{7D615843-7E37-6E46-B4BE-91B432F7BF7B}" type="datetimeFigureOut">
               <a:rPr lang="en-US" smtClean="0"/>
-              <a:t>4/10/22</a:t>
+              <a:t>4/18/22</a:t>
             </a:fld>
             <a:endParaRPr lang="en-US"/>
           </a:p>
@@ -667,7 +672,7 @@
           <a:p>
             <a:fld id="{7D615843-7E37-6E46-B4BE-91B432F7BF7B}" type="datetimeFigureOut">
               <a:rPr lang="en-US" smtClean="0"/>
-              <a:t>4/10/22</a:t>
+              <a:t>4/18/22</a:t>
             </a:fld>
             <a:endParaRPr lang="en-US"/>
           </a:p>
@@ -867,7 +872,7 @@
           <a:p>
             <a:fld id="{7D615843-7E37-6E46-B4BE-91B432F7BF7B}" type="datetimeFigureOut">
               <a:rPr lang="en-US" smtClean="0"/>
-              <a:t>4/10/22</a:t>
+              <a:t>4/18/22</a:t>
             </a:fld>
             <a:endParaRPr lang="en-US"/>
           </a:p>
@@ -1143,7 +1148,7 @@
           <a:p>
             <a:fld id="{7D615843-7E37-6E46-B4BE-91B432F7BF7B}" type="datetimeFigureOut">
               <a:rPr lang="en-US" smtClean="0"/>
-              <a:t>4/10/22</a:t>
+              <a:t>4/18/22</a:t>
             </a:fld>
             <a:endParaRPr lang="en-US"/>
           </a:p>
@@ -1411,7 +1416,7 @@
           <a:p>
             <a:fld id="{7D615843-7E37-6E46-B4BE-91B432F7BF7B}" type="datetimeFigureOut">
               <a:rPr lang="en-US" smtClean="0"/>
-              <a:t>4/10/22</a:t>
+              <a:t>4/18/22</a:t>
             </a:fld>
             <a:endParaRPr lang="en-US"/>
           </a:p>
@@ -1826,7 +1831,7 @@
           <a:p>
             <a:fld id="{7D615843-7E37-6E46-B4BE-91B432F7BF7B}" type="datetimeFigureOut">
               <a:rPr lang="en-US" smtClean="0"/>
-              <a:t>4/10/22</a:t>
+              <a:t>4/18/22</a:t>
             </a:fld>
             <a:endParaRPr lang="en-US"/>
           </a:p>
@@ -1968,7 +1973,7 @@
           <a:p>
             <a:fld id="{7D615843-7E37-6E46-B4BE-91B432F7BF7B}" type="datetimeFigureOut">
               <a:rPr lang="en-US" smtClean="0"/>
-              <a:t>4/10/22</a:t>
+              <a:t>4/18/22</a:t>
             </a:fld>
             <a:endParaRPr lang="en-US"/>
           </a:p>
@@ -2081,7 +2086,7 @@
           <a:p>
             <a:fld id="{7D615843-7E37-6E46-B4BE-91B432F7BF7B}" type="datetimeFigureOut">
               <a:rPr lang="en-US" smtClean="0"/>
-              <a:t>4/10/22</a:t>
+              <a:t>4/18/22</a:t>
             </a:fld>
             <a:endParaRPr lang="en-US"/>
           </a:p>
@@ -2394,7 +2399,7 @@
           <a:p>
             <a:fld id="{7D615843-7E37-6E46-B4BE-91B432F7BF7B}" type="datetimeFigureOut">
               <a:rPr lang="en-US" smtClean="0"/>
-              <a:t>4/10/22</a:t>
+              <a:t>4/18/22</a:t>
             </a:fld>
             <a:endParaRPr lang="en-US"/>
           </a:p>
@@ -2683,7 +2688,7 @@
           <a:p>
             <a:fld id="{7D615843-7E37-6E46-B4BE-91B432F7BF7B}" type="datetimeFigureOut">
               <a:rPr lang="en-US" smtClean="0"/>
-              <a:t>4/10/22</a:t>
+              <a:t>4/18/22</a:t>
             </a:fld>
             <a:endParaRPr lang="en-US"/>
           </a:p>
@@ -2926,7 +2931,7 @@
           <a:p>
             <a:fld id="{7D615843-7E37-6E46-B4BE-91B432F7BF7B}" type="datetimeFigureOut">
               <a:rPr lang="en-US" smtClean="0"/>
-              <a:t>4/10/22</a:t>
+              <a:t>4/18/22</a:t>
             </a:fld>
             <a:endParaRPr lang="en-US"/>
           </a:p>
@@ -3345,10 +3350,10 @@
       </p:grpSpPr>
       <p:sp>
         <p:nvSpPr>
-          <p:cNvPr id="4" name="Rounded Rectangle 3">
-            <a:extLst>
-              <a:ext uri="{FF2B5EF4-FFF2-40B4-BE49-F238E27FC236}">
-                <a16:creationId xmlns:a16="http://schemas.microsoft.com/office/drawing/2014/main" id="{27E6BEB8-3DA1-A141-B211-C0BCC8FA7927}"/>
+          <p:cNvPr id="20" name="Oval 19">
+            <a:extLst>
+              <a:ext uri="{FF2B5EF4-FFF2-40B4-BE49-F238E27FC236}">
+                <a16:creationId xmlns:a16="http://schemas.microsoft.com/office/drawing/2014/main" id="{A843F720-AE38-6EA1-F5A0-2AEBC83397EA}"/>
               </a:ext>
             </a:extLst>
           </p:cNvPr>
@@ -3357,12 +3362,14 @@
         </p:nvSpPr>
         <p:spPr>
           <a:xfrm>
-            <a:off x="657080" y="1271099"/>
-            <a:ext cx="1561672" cy="739739"/>
-          </a:xfrm>
-          <a:prstGeom prst="roundRect">
+            <a:off x="1692166" y="441434"/>
+            <a:ext cx="3342290" cy="3195145"/>
+          </a:xfrm>
+          <a:prstGeom prst="ellipse">
             <a:avLst/>
           </a:prstGeom>
+          <a:noFill/>
+          <a:ln w="28575"/>
         </p:spPr>
         <p:style>
           <a:lnRef idx="2">
@@ -3385,19 +3392,16 @@
           <a:lstStyle/>
           <a:p>
             <a:pPr algn="ctr"/>
-            <a:r>
-              <a:rPr lang="en-US" sz="1200" b="1" dirty="0"/>
-              <a:t>Association</a:t>
-            </a:r>
-          </a:p>
-        </p:txBody>
-      </p:sp>
-      <p:sp>
-        <p:nvSpPr>
-          <p:cNvPr id="7" name="Rounded Rectangle 6">
-            <a:extLst>
-              <a:ext uri="{FF2B5EF4-FFF2-40B4-BE49-F238E27FC236}">
-                <a16:creationId xmlns:a16="http://schemas.microsoft.com/office/drawing/2014/main" id="{649167E9-D757-5A4C-832F-8A52289B4482}"/>
+            <a:endParaRPr lang="en-US"/>
+          </a:p>
+        </p:txBody>
+      </p:sp>
+      <p:sp>
+        <p:nvSpPr>
+          <p:cNvPr id="4" name="Rounded Rectangle 3">
+            <a:extLst>
+              <a:ext uri="{FF2B5EF4-FFF2-40B4-BE49-F238E27FC236}">
+                <a16:creationId xmlns:a16="http://schemas.microsoft.com/office/drawing/2014/main" id="{27E6BEB8-3DA1-A141-B211-C0BCC8FA7927}"/>
               </a:ext>
             </a:extLst>
           </p:cNvPr>
@@ -3406,7 +3410,7 @@
         </p:nvSpPr>
         <p:spPr>
           <a:xfrm>
-            <a:off x="2779969" y="1271098"/>
+            <a:off x="1018601" y="1825095"/>
             <a:ext cx="1561672" cy="739739"/>
           </a:xfrm>
           <a:prstGeom prst="roundRect">
@@ -3436,17 +3440,17 @@
             <a:pPr algn="ctr"/>
             <a:r>
               <a:rPr lang="en-US" sz="1200" b="1" dirty="0"/>
-              <a:t>BSI</a:t>
-            </a:r>
-          </a:p>
-        </p:txBody>
-      </p:sp>
-      <p:sp>
-        <p:nvSpPr>
-          <p:cNvPr id="8" name="Rounded Rectangle 7">
-            <a:extLst>
-              <a:ext uri="{FF2B5EF4-FFF2-40B4-BE49-F238E27FC236}">
-                <a16:creationId xmlns:a16="http://schemas.microsoft.com/office/drawing/2014/main" id="{FD26A828-DA61-6646-BEA1-B315E69BE0CF}"/>
+              <a:t>Association</a:t>
+            </a:r>
+          </a:p>
+        </p:txBody>
+      </p:sp>
+      <p:sp>
+        <p:nvSpPr>
+          <p:cNvPr id="7" name="Rounded Rectangle 6">
+            <a:extLst>
+              <a:ext uri="{FF2B5EF4-FFF2-40B4-BE49-F238E27FC236}">
+                <a16:creationId xmlns:a16="http://schemas.microsoft.com/office/drawing/2014/main" id="{649167E9-D757-5A4C-832F-8A52289B4482}"/>
               </a:ext>
             </a:extLst>
           </p:cNvPr>
@@ -3455,7 +3459,7 @@
         </p:nvSpPr>
         <p:spPr>
           <a:xfrm>
-            <a:off x="4902858" y="1271097"/>
+            <a:off x="2580273" y="261002"/>
             <a:ext cx="1561672" cy="739739"/>
           </a:xfrm>
           <a:prstGeom prst="roundRect">
@@ -3485,187 +3489,60 @@
             <a:pPr algn="ctr"/>
             <a:r>
               <a:rPr lang="en-US" sz="1200" b="1" dirty="0"/>
-              <a:t>Bank</a:t>
-            </a:r>
-          </a:p>
-        </p:txBody>
-      </p:sp>
-      <p:cxnSp>
-        <p:nvCxnSpPr>
-          <p:cNvPr id="10" name="Elbow Connector 9">
-            <a:extLst>
-              <a:ext uri="{FF2B5EF4-FFF2-40B4-BE49-F238E27FC236}">
-                <a16:creationId xmlns:a16="http://schemas.microsoft.com/office/drawing/2014/main" id="{02A54E8B-2A45-E640-8C18-1B33B44A86D5}"/>
-              </a:ext>
-            </a:extLst>
-          </p:cNvPr>
-          <p:cNvCxnSpPr>
-            <a:stCxn id="4" idx="0"/>
-            <a:endCxn id="8" idx="0"/>
-          </p:cNvCxnSpPr>
+              <a:t>BSI</a:t>
+            </a:r>
+          </a:p>
+        </p:txBody>
+      </p:sp>
+      <p:sp>
+        <p:nvSpPr>
+          <p:cNvPr id="8" name="Rounded Rectangle 7">
+            <a:extLst>
+              <a:ext uri="{FF2B5EF4-FFF2-40B4-BE49-F238E27FC236}">
+                <a16:creationId xmlns:a16="http://schemas.microsoft.com/office/drawing/2014/main" id="{FD26A828-DA61-6646-BEA1-B315E69BE0CF}"/>
+              </a:ext>
+            </a:extLst>
+          </p:cNvPr>
+          <p:cNvSpPr/>
           <p:nvPr/>
-        </p:nvCxnSpPr>
-        <p:spPr>
-          <a:xfrm rot="5400000" flipH="1" flipV="1">
-            <a:off x="3560804" y="-851791"/>
-            <a:ext cx="2" cy="4245778"/>
-          </a:xfrm>
-          <a:prstGeom prst="bentConnector3">
-            <a:avLst>
-              <a:gd name="adj1" fmla="val 11430100000"/>
-            </a:avLst>
+        </p:nvSpPr>
+        <p:spPr>
+          <a:xfrm>
+            <a:off x="4141945" y="1825095"/>
+            <a:ext cx="1561672" cy="739739"/>
+          </a:xfrm>
+          <a:prstGeom prst="roundRect">
+            <a:avLst/>
           </a:prstGeom>
-          <a:ln>
-            <a:tailEnd type="triangle"/>
-          </a:ln>
         </p:spPr>
         <p:style>
-          <a:lnRef idx="1">
-            <a:schemeClr val="accent1"/>
+          <a:lnRef idx="2">
+            <a:schemeClr val="accent1">
+              <a:shade val="50000"/>
+            </a:schemeClr>
           </a:lnRef>
-          <a:fillRef idx="0">
+          <a:fillRef idx="1">
             <a:schemeClr val="accent1"/>
           </a:fillRef>
           <a:effectRef idx="0">
             <a:schemeClr val="accent1"/>
           </a:effectRef>
           <a:fontRef idx="minor">
-            <a:schemeClr val="tx1"/>
+            <a:schemeClr val="lt1"/>
           </a:fontRef>
         </p:style>
-      </p:cxnSp>
-      <p:cxnSp>
-        <p:nvCxnSpPr>
-          <p:cNvPr id="11" name="Elbow Connector 10">
-            <a:extLst>
-              <a:ext uri="{FF2B5EF4-FFF2-40B4-BE49-F238E27FC236}">
-                <a16:creationId xmlns:a16="http://schemas.microsoft.com/office/drawing/2014/main" id="{5C1C464C-A9A7-2344-97E7-3261707079D7}"/>
-              </a:ext>
-            </a:extLst>
-          </p:cNvPr>
-          <p:cNvCxnSpPr>
-            <a:cxnSpLocks/>
-            <a:stCxn id="8" idx="2"/>
-            <a:endCxn id="4" idx="2"/>
-          </p:cNvCxnSpPr>
-          <p:nvPr/>
-        </p:nvCxnSpPr>
-        <p:spPr>
-          <a:xfrm rot="5400000">
-            <a:off x="3560804" y="-112052"/>
-            <a:ext cx="2" cy="4245778"/>
-          </a:xfrm>
-          <a:prstGeom prst="bentConnector3">
-            <a:avLst>
-              <a:gd name="adj1" fmla="val 11430100000"/>
-            </a:avLst>
-          </a:prstGeom>
-          <a:ln>
-            <a:tailEnd type="triangle"/>
-          </a:ln>
-        </p:spPr>
-        <p:style>
-          <a:lnRef idx="1">
-            <a:schemeClr val="accent1"/>
-          </a:lnRef>
-          <a:fillRef idx="0">
-            <a:schemeClr val="accent1"/>
-          </a:fillRef>
-          <a:effectRef idx="0">
-            <a:schemeClr val="accent1"/>
-          </a:effectRef>
-          <a:fontRef idx="minor">
-            <a:schemeClr val="tx1"/>
-          </a:fontRef>
-        </p:style>
-      </p:cxnSp>
-      <p:cxnSp>
-        <p:nvCxnSpPr>
-          <p:cNvPr id="16" name="Elbow Connector 15">
-            <a:extLst>
-              <a:ext uri="{FF2B5EF4-FFF2-40B4-BE49-F238E27FC236}">
-                <a16:creationId xmlns:a16="http://schemas.microsoft.com/office/drawing/2014/main" id="{AF9D3DF2-D02B-DA4B-8E1C-67D605BD818B}"/>
-              </a:ext>
-            </a:extLst>
-          </p:cNvPr>
-          <p:cNvCxnSpPr>
-            <a:stCxn id="4" idx="3"/>
-            <a:endCxn id="7" idx="1"/>
-          </p:cNvCxnSpPr>
-          <p:nvPr/>
-        </p:nvCxnSpPr>
-        <p:spPr>
-          <a:xfrm flipV="1">
-            <a:off x="2218752" y="1640968"/>
-            <a:ext cx="561217" cy="1"/>
-          </a:xfrm>
-          <a:prstGeom prst="bentConnector3">
-            <a:avLst/>
-          </a:prstGeom>
-          <a:ln>
-            <a:headEnd type="triangle"/>
-            <a:tailEnd type="triangle"/>
-          </a:ln>
-        </p:spPr>
-        <p:style>
-          <a:lnRef idx="1">
-            <a:schemeClr val="accent1"/>
-          </a:lnRef>
-          <a:fillRef idx="0">
-            <a:schemeClr val="accent1"/>
-          </a:fillRef>
-          <a:effectRef idx="0">
-            <a:schemeClr val="accent1"/>
-          </a:effectRef>
-          <a:fontRef idx="minor">
-            <a:schemeClr val="tx1"/>
-          </a:fontRef>
-        </p:style>
-      </p:cxnSp>
-      <p:cxnSp>
-        <p:nvCxnSpPr>
-          <p:cNvPr id="17" name="Elbow Connector 16">
-            <a:extLst>
-              <a:ext uri="{FF2B5EF4-FFF2-40B4-BE49-F238E27FC236}">
-                <a16:creationId xmlns:a16="http://schemas.microsoft.com/office/drawing/2014/main" id="{079E9D9F-BE43-A640-9077-4FF9D0CD4EC3}"/>
-              </a:ext>
-            </a:extLst>
-          </p:cNvPr>
-          <p:cNvCxnSpPr>
-            <a:cxnSpLocks/>
-            <a:stCxn id="8" idx="1"/>
-            <a:endCxn id="7" idx="3"/>
-          </p:cNvCxnSpPr>
-          <p:nvPr/>
-        </p:nvCxnSpPr>
-        <p:spPr>
-          <a:xfrm rot="10800000" flipV="1">
-            <a:off x="4341642" y="1640966"/>
-            <a:ext cx="561217" cy="1"/>
-          </a:xfrm>
-          <a:prstGeom prst="bentConnector3">
-            <a:avLst/>
-          </a:prstGeom>
-          <a:ln>
-            <a:headEnd type="triangle"/>
-            <a:tailEnd type="triangle"/>
-          </a:ln>
-        </p:spPr>
-        <p:style>
-          <a:lnRef idx="1">
-            <a:schemeClr val="accent1"/>
-          </a:lnRef>
-          <a:fillRef idx="0">
-            <a:schemeClr val="accent1"/>
-          </a:fillRef>
-          <a:effectRef idx="0">
-            <a:schemeClr val="accent1"/>
-          </a:effectRef>
-          <a:fontRef idx="minor">
-            <a:schemeClr val="tx1"/>
-          </a:fontRef>
-        </p:style>
-      </p:cxnSp>
+        <p:txBody>
+          <a:bodyPr rtlCol="0" anchor="ctr"/>
+          <a:lstStyle/>
+          <a:p>
+            <a:pPr algn="ctr"/>
+            <a:r>
+              <a:rPr lang="en-US" sz="1200" b="1" dirty="0"/>
+              <a:t>Bank</a:t>
+            </a:r>
+          </a:p>
+        </p:txBody>
+      </p:sp>
       <p:sp>
         <p:nvSpPr>
           <p:cNvPr id="21" name="TextBox 20">
@@ -3680,7 +3557,7 @@
         </p:nvSpPr>
         <p:spPr>
           <a:xfrm>
-            <a:off x="657080" y="2347453"/>
+            <a:off x="328762" y="2598431"/>
             <a:ext cx="2053244" cy="246221"/>
           </a:xfrm>
           <a:prstGeom prst="rect">
@@ -3715,7 +3592,7 @@
         </p:nvSpPr>
         <p:spPr>
           <a:xfrm>
-            <a:off x="2710324" y="2347451"/>
+            <a:off x="2580273" y="1000741"/>
             <a:ext cx="2053244" cy="553998"/>
           </a:xfrm>
           <a:prstGeom prst="rect">
@@ -3756,7 +3633,7 @@
         </p:nvSpPr>
         <p:spPr>
           <a:xfrm>
-            <a:off x="4902858" y="2383817"/>
+            <a:off x="4922781" y="2598431"/>
             <a:ext cx="2053244" cy="400110"/>
           </a:xfrm>
           <a:prstGeom prst="rect">
@@ -3773,6 +3650,44 @@
             <a:r>
               <a:rPr lang="en-US" sz="1000" dirty="0"/>
               <a:t>Act on loan request approved by BSI</a:t>
+            </a:r>
+          </a:p>
+          <a:p>
+            <a:endParaRPr lang="en-US" sz="1000" dirty="0"/>
+          </a:p>
+        </p:txBody>
+      </p:sp>
+      <p:sp>
+        <p:nvSpPr>
+          <p:cNvPr id="24" name="TextBox 23">
+            <a:extLst>
+              <a:ext uri="{FF2B5EF4-FFF2-40B4-BE49-F238E27FC236}">
+                <a16:creationId xmlns:a16="http://schemas.microsoft.com/office/drawing/2014/main" id="{843A4913-476D-0B4F-129F-F2ECDBC0A7EA}"/>
+              </a:ext>
+            </a:extLst>
+          </p:cNvPr>
+          <p:cNvSpPr txBox="1"/>
+          <p:nvPr/>
+        </p:nvSpPr>
+        <p:spPr>
+          <a:xfrm>
+            <a:off x="2580273" y="3641888"/>
+            <a:ext cx="2053244" cy="553998"/>
+          </a:xfrm>
+          <a:prstGeom prst="rect">
+            <a:avLst/>
+          </a:prstGeom>
+          <a:noFill/>
+        </p:spPr>
+        <p:txBody>
+          <a:bodyPr wrap="square" rtlCol="0">
+            <a:spAutoFit/>
+          </a:bodyPr>
+          <a:lstStyle/>
+          <a:p>
+            <a:r>
+              <a:rPr lang="en-US" sz="1000" dirty="0"/>
+              <a:t>All organizations are part of the distributed ledger network</a:t>
             </a:r>
           </a:p>
           <a:p>
